--- a/docs/slides/14-Dimensionality-Reduction.pptx
+++ b/docs/slides/14-Dimensionality-Reduction.pptx
@@ -205,7 +205,7 @@
           <a:p>
             <a:fld id="{A07F8AF1-4148-3446-B5EA-7177AE387CFC}" type="datetimeFigureOut">
               <a:rPr lang="en-US" smtClean="0"/>
-              <a:t>11/8/22</a:t>
+              <a:t>11/15/23</a:t>
             </a:fld>
             <a:endParaRPr lang="en-US"/>
           </a:p>
@@ -1008,7 +1008,7 @@
           <a:p>
             <a:fld id="{72CC2484-0CF3-A545-BBAF-2CDE268DB0D8}" type="datetimeFigureOut">
               <a:rPr lang="en-US" smtClean="0"/>
-              <a:t>11/8/22</a:t>
+              <a:t>11/15/23</a:t>
             </a:fld>
             <a:endParaRPr lang="en-US"/>
           </a:p>
@@ -1206,7 +1206,7 @@
           <a:p>
             <a:fld id="{72CC2484-0CF3-A545-BBAF-2CDE268DB0D8}" type="datetimeFigureOut">
               <a:rPr lang="en-US" smtClean="0"/>
-              <a:t>11/8/22</a:t>
+              <a:t>11/15/23</a:t>
             </a:fld>
             <a:endParaRPr lang="en-US"/>
           </a:p>
@@ -1414,7 +1414,7 @@
           <a:p>
             <a:fld id="{72CC2484-0CF3-A545-BBAF-2CDE268DB0D8}" type="datetimeFigureOut">
               <a:rPr lang="en-US" smtClean="0"/>
-              <a:t>11/8/22</a:t>
+              <a:t>11/15/23</a:t>
             </a:fld>
             <a:endParaRPr lang="en-US"/>
           </a:p>
@@ -1612,7 +1612,7 @@
           <a:p>
             <a:fld id="{72CC2484-0CF3-A545-BBAF-2CDE268DB0D8}" type="datetimeFigureOut">
               <a:rPr lang="en-US" smtClean="0"/>
-              <a:t>11/8/22</a:t>
+              <a:t>11/15/23</a:t>
             </a:fld>
             <a:endParaRPr lang="en-US"/>
           </a:p>
@@ -1887,7 +1887,7 @@
           <a:p>
             <a:fld id="{72CC2484-0CF3-A545-BBAF-2CDE268DB0D8}" type="datetimeFigureOut">
               <a:rPr lang="en-US" smtClean="0"/>
-              <a:t>11/8/22</a:t>
+              <a:t>11/15/23</a:t>
             </a:fld>
             <a:endParaRPr lang="en-US"/>
           </a:p>
@@ -2152,7 +2152,7 @@
           <a:p>
             <a:fld id="{72CC2484-0CF3-A545-BBAF-2CDE268DB0D8}" type="datetimeFigureOut">
               <a:rPr lang="en-US" smtClean="0"/>
-              <a:t>11/8/22</a:t>
+              <a:t>11/15/23</a:t>
             </a:fld>
             <a:endParaRPr lang="en-US"/>
           </a:p>
@@ -2564,7 +2564,7 @@
           <a:p>
             <a:fld id="{72CC2484-0CF3-A545-BBAF-2CDE268DB0D8}" type="datetimeFigureOut">
               <a:rPr lang="en-US" smtClean="0"/>
-              <a:t>11/8/22</a:t>
+              <a:t>11/15/23</a:t>
             </a:fld>
             <a:endParaRPr lang="en-US"/>
           </a:p>
@@ -2705,7 +2705,7 @@
           <a:p>
             <a:fld id="{72CC2484-0CF3-A545-BBAF-2CDE268DB0D8}" type="datetimeFigureOut">
               <a:rPr lang="en-US" smtClean="0"/>
-              <a:t>11/8/22</a:t>
+              <a:t>11/15/23</a:t>
             </a:fld>
             <a:endParaRPr lang="en-US"/>
           </a:p>
@@ -2818,7 +2818,7 @@
           <a:p>
             <a:fld id="{72CC2484-0CF3-A545-BBAF-2CDE268DB0D8}" type="datetimeFigureOut">
               <a:rPr lang="en-US" smtClean="0"/>
-              <a:t>11/8/22</a:t>
+              <a:t>11/15/23</a:t>
             </a:fld>
             <a:endParaRPr lang="en-US"/>
           </a:p>
@@ -3129,7 +3129,7 @@
           <a:p>
             <a:fld id="{72CC2484-0CF3-A545-BBAF-2CDE268DB0D8}" type="datetimeFigureOut">
               <a:rPr lang="en-US" smtClean="0"/>
-              <a:t>11/8/22</a:t>
+              <a:t>11/15/23</a:t>
             </a:fld>
             <a:endParaRPr lang="en-US"/>
           </a:p>
@@ -3417,7 +3417,7 @@
           <a:p>
             <a:fld id="{72CC2484-0CF3-A545-BBAF-2CDE268DB0D8}" type="datetimeFigureOut">
               <a:rPr lang="en-US" smtClean="0"/>
-              <a:t>11/8/22</a:t>
+              <a:t>11/15/23</a:t>
             </a:fld>
             <a:endParaRPr lang="en-US"/>
           </a:p>
@@ -3658,7 +3658,7 @@
           <a:p>
             <a:fld id="{72CC2484-0CF3-A545-BBAF-2CDE268DB0D8}" type="datetimeFigureOut">
               <a:rPr lang="en-US" smtClean="0"/>
-              <a:t>11/8/22</a:t>
+              <a:t>11/15/23</a:t>
             </a:fld>
             <a:endParaRPr lang="en-US"/>
           </a:p>

--- a/docs/slides/14-Dimensionality-Reduction.pptx
+++ b/docs/slides/14-Dimensionality-Reduction.pptx
@@ -5,7 +5,7 @@
     <p:sldMasterId id="2147483648" r:id="rId1"/>
   </p:sldMasterIdLst>
   <p:notesMasterIdLst>
-    <p:notesMasterId r:id="rId11"/>
+    <p:notesMasterId r:id="rId12"/>
   </p:notesMasterIdLst>
   <p:sldIdLst>
     <p:sldId id="451" r:id="rId2"/>
@@ -16,7 +16,8 @@
     <p:sldId id="444" r:id="rId7"/>
     <p:sldId id="442" r:id="rId8"/>
     <p:sldId id="441" r:id="rId9"/>
-    <p:sldId id="445" r:id="rId10"/>
+    <p:sldId id="453" r:id="rId10"/>
+    <p:sldId id="454" r:id="rId11"/>
   </p:sldIdLst>
   <p:sldSz cx="12192000" cy="6858000"/>
   <p:notesSz cx="6858000" cy="9144000"/>
@@ -205,7 +206,7 @@
           <a:p>
             <a:fld id="{A07F8AF1-4148-3446-B5EA-7177AE387CFC}" type="datetimeFigureOut">
               <a:rPr lang="en-US" smtClean="0"/>
-              <a:t>11/15/23</a:t>
+              <a:t>11/18/24</a:t>
             </a:fld>
             <a:endParaRPr lang="en-US"/>
           </a:p>
@@ -1008,7 +1009,7 @@
           <a:p>
             <a:fld id="{72CC2484-0CF3-A545-BBAF-2CDE268DB0D8}" type="datetimeFigureOut">
               <a:rPr lang="en-US" smtClean="0"/>
-              <a:t>11/15/23</a:t>
+              <a:t>11/18/24</a:t>
             </a:fld>
             <a:endParaRPr lang="en-US"/>
           </a:p>
@@ -1206,7 +1207,7 @@
           <a:p>
             <a:fld id="{72CC2484-0CF3-A545-BBAF-2CDE268DB0D8}" type="datetimeFigureOut">
               <a:rPr lang="en-US" smtClean="0"/>
-              <a:t>11/15/23</a:t>
+              <a:t>11/18/24</a:t>
             </a:fld>
             <a:endParaRPr lang="en-US"/>
           </a:p>
@@ -1414,7 +1415,7 @@
           <a:p>
             <a:fld id="{72CC2484-0CF3-A545-BBAF-2CDE268DB0D8}" type="datetimeFigureOut">
               <a:rPr lang="en-US" smtClean="0"/>
-              <a:t>11/15/23</a:t>
+              <a:t>11/18/24</a:t>
             </a:fld>
             <a:endParaRPr lang="en-US"/>
           </a:p>
@@ -1612,7 +1613,7 @@
           <a:p>
             <a:fld id="{72CC2484-0CF3-A545-BBAF-2CDE268DB0D8}" type="datetimeFigureOut">
               <a:rPr lang="en-US" smtClean="0"/>
-              <a:t>11/15/23</a:t>
+              <a:t>11/18/24</a:t>
             </a:fld>
             <a:endParaRPr lang="en-US"/>
           </a:p>
@@ -1887,7 +1888,7 @@
           <a:p>
             <a:fld id="{72CC2484-0CF3-A545-BBAF-2CDE268DB0D8}" type="datetimeFigureOut">
               <a:rPr lang="en-US" smtClean="0"/>
-              <a:t>11/15/23</a:t>
+              <a:t>11/18/24</a:t>
             </a:fld>
             <a:endParaRPr lang="en-US"/>
           </a:p>
@@ -2152,7 +2153,7 @@
           <a:p>
             <a:fld id="{72CC2484-0CF3-A545-BBAF-2CDE268DB0D8}" type="datetimeFigureOut">
               <a:rPr lang="en-US" smtClean="0"/>
-              <a:t>11/15/23</a:t>
+              <a:t>11/18/24</a:t>
             </a:fld>
             <a:endParaRPr lang="en-US"/>
           </a:p>
@@ -2564,7 +2565,7 @@
           <a:p>
             <a:fld id="{72CC2484-0CF3-A545-BBAF-2CDE268DB0D8}" type="datetimeFigureOut">
               <a:rPr lang="en-US" smtClean="0"/>
-              <a:t>11/15/23</a:t>
+              <a:t>11/18/24</a:t>
             </a:fld>
             <a:endParaRPr lang="en-US"/>
           </a:p>
@@ -2705,7 +2706,7 @@
           <a:p>
             <a:fld id="{72CC2484-0CF3-A545-BBAF-2CDE268DB0D8}" type="datetimeFigureOut">
               <a:rPr lang="en-US" smtClean="0"/>
-              <a:t>11/15/23</a:t>
+              <a:t>11/18/24</a:t>
             </a:fld>
             <a:endParaRPr lang="en-US"/>
           </a:p>
@@ -2818,7 +2819,7 @@
           <a:p>
             <a:fld id="{72CC2484-0CF3-A545-BBAF-2CDE268DB0D8}" type="datetimeFigureOut">
               <a:rPr lang="en-US" smtClean="0"/>
-              <a:t>11/15/23</a:t>
+              <a:t>11/18/24</a:t>
             </a:fld>
             <a:endParaRPr lang="en-US"/>
           </a:p>
@@ -3129,7 +3130,7 @@
           <a:p>
             <a:fld id="{72CC2484-0CF3-A545-BBAF-2CDE268DB0D8}" type="datetimeFigureOut">
               <a:rPr lang="en-US" smtClean="0"/>
-              <a:t>11/15/23</a:t>
+              <a:t>11/18/24</a:t>
             </a:fld>
             <a:endParaRPr lang="en-US"/>
           </a:p>
@@ -3417,7 +3418,7 @@
           <a:p>
             <a:fld id="{72CC2484-0CF3-A545-BBAF-2CDE268DB0D8}" type="datetimeFigureOut">
               <a:rPr lang="en-US" smtClean="0"/>
-              <a:t>11/15/23</a:t>
+              <a:t>11/18/24</a:t>
             </a:fld>
             <a:endParaRPr lang="en-US"/>
           </a:p>
@@ -3658,7 +3659,7 @@
           <a:p>
             <a:fld id="{72CC2484-0CF3-A545-BBAF-2CDE268DB0D8}" type="datetimeFigureOut">
               <a:rPr lang="en-US" smtClean="0"/>
-              <a:t>11/15/23</a:t>
+              <a:t>11/18/24</a:t>
             </a:fld>
             <a:endParaRPr lang="en-US"/>
           </a:p>
@@ -4151,6 +4152,184 @@
 </p:sld>
 </file>
 
+<file path=ppt/slides/slide10.xml><?xml version="1.0" encoding="utf-8"?>
+<p:sld xmlns:a="http://schemas.openxmlformats.org/drawingml/2006/main" xmlns:r="http://schemas.openxmlformats.org/officeDocument/2006/relationships" xmlns:p="http://schemas.openxmlformats.org/presentationml/2006/main">
+  <p:cSld>
+    <p:spTree>
+      <p:nvGrpSpPr>
+        <p:cNvPr id="1" name=""/>
+        <p:cNvGrpSpPr/>
+        <p:nvPr/>
+      </p:nvGrpSpPr>
+      <p:grpSpPr>
+        <a:xfrm>
+          <a:off x="0" y="0"/>
+          <a:ext cx="0" cy="0"/>
+          <a:chOff x="0" y="0"/>
+          <a:chExt cx="0" cy="0"/>
+        </a:xfrm>
+      </p:grpSpPr>
+      <p:sp>
+        <p:nvSpPr>
+          <p:cNvPr id="2" name="Title 1"/>
+          <p:cNvSpPr>
+            <a:spLocks noGrp="1"/>
+          </p:cNvSpPr>
+          <p:nvPr>
+            <p:ph type="title"/>
+          </p:nvPr>
+        </p:nvSpPr>
+        <p:spPr>
+          <a:xfrm>
+            <a:off x="312683" y="365123"/>
+            <a:ext cx="10515600" cy="1325563"/>
+          </a:xfrm>
+        </p:spPr>
+        <p:txBody>
+          <a:bodyPr/>
+          <a:lstStyle/>
+          <a:p>
+            <a:r>
+              <a:rPr dirty="0"/>
+              <a:t>Autoencoders</a:t>
+            </a:r>
+          </a:p>
+        </p:txBody>
+      </p:sp>
+      <p:sp>
+        <p:nvSpPr>
+          <p:cNvPr id="3" name="Content Placeholder 2"/>
+          <p:cNvSpPr>
+            <a:spLocks noGrp="1"/>
+          </p:cNvSpPr>
+          <p:nvPr>
+            <p:ph idx="1"/>
+          </p:nvPr>
+        </p:nvSpPr>
+        <p:spPr>
+          <a:xfrm>
+            <a:off x="312683" y="1690688"/>
+            <a:ext cx="7086600" cy="4351338"/>
+          </a:xfrm>
+        </p:spPr>
+        <p:txBody>
+          <a:bodyPr>
+            <a:normAutofit fontScale="70000" lnSpcReduction="20000"/>
+          </a:bodyPr>
+          <a:lstStyle/>
+          <a:p>
+            <a:r>
+              <a:rPr dirty="0"/>
+              <a:t>Autoencoders are neural networks designed for unsupervised dimensionality reduction.</a:t>
+            </a:r>
+          </a:p>
+          <a:p>
+            <a:endParaRPr dirty="0"/>
+          </a:p>
+          <a:p>
+            <a:r>
+              <a:rPr dirty="0"/>
+              <a:t>Key Features:</a:t>
+            </a:r>
+          </a:p>
+          <a:p>
+            <a:pPr lvl="1"/>
+            <a:r>
+              <a:rPr dirty="0"/>
+              <a:t>Composed of encoder and decoder networks.</a:t>
+            </a:r>
+            <a:endParaRPr lang="en-US" dirty="0"/>
+          </a:p>
+          <a:p>
+            <a:pPr lvl="1"/>
+            <a:r>
+              <a:rPr dirty="0"/>
+              <a:t>Encoder compresses data into a lower-dimensional representation.</a:t>
+            </a:r>
+            <a:endParaRPr lang="en-US" dirty="0"/>
+          </a:p>
+          <a:p>
+            <a:pPr lvl="1"/>
+            <a:r>
+              <a:rPr dirty="0"/>
+              <a:t>Decoder reconstructs data from the compressed representation.</a:t>
+            </a:r>
+            <a:br>
+              <a:rPr lang="en-US" dirty="0"/>
+            </a:br>
+            <a:endParaRPr dirty="0"/>
+          </a:p>
+          <a:p>
+            <a:r>
+              <a:rPr dirty="0"/>
+              <a:t>Objective: Minimize reconstruction loss.</a:t>
+            </a:r>
+          </a:p>
+          <a:p>
+            <a:endParaRPr dirty="0"/>
+          </a:p>
+          <a:p>
+            <a:r>
+              <a:rPr dirty="0"/>
+              <a:t>Applications:</a:t>
+            </a:r>
+            <a:endParaRPr lang="en-US" dirty="0"/>
+          </a:p>
+          <a:p>
+            <a:pPr lvl="1"/>
+            <a:r>
+              <a:rPr dirty="0"/>
+              <a:t>Noise reduction: Removing noise from images or signals.</a:t>
+            </a:r>
+            <a:endParaRPr lang="en-US" dirty="0"/>
+          </a:p>
+          <a:p>
+            <a:pPr lvl="1"/>
+            <a:r>
+              <a:rPr dirty="0"/>
+              <a:t>Feature extraction: Learning compact data representations for downstream tasks.</a:t>
+            </a:r>
+          </a:p>
+        </p:txBody>
+      </p:sp>
+      <p:pic>
+        <p:nvPicPr>
+          <p:cNvPr id="4" name="Picture 3">
+            <a:extLst>
+              <a:ext uri="{FF2B5EF4-FFF2-40B4-BE49-F238E27FC236}">
+                <a16:creationId xmlns:a16="http://schemas.microsoft.com/office/drawing/2014/main" id="{117AC391-F5C6-A5A9-B42D-2D7AA1FA2416}"/>
+              </a:ext>
+            </a:extLst>
+          </p:cNvPr>
+          <p:cNvPicPr>
+            <a:picLocks noChangeAspect="1"/>
+          </p:cNvPicPr>
+          <p:nvPr/>
+        </p:nvPicPr>
+        <p:blipFill>
+          <a:blip r:embed="rId2"/>
+          <a:stretch>
+            <a:fillRect/>
+          </a:stretch>
+        </p:blipFill>
+        <p:spPr>
+          <a:xfrm>
+            <a:off x="7017693" y="1462087"/>
+            <a:ext cx="4861624" cy="4351339"/>
+          </a:xfrm>
+          <a:prstGeom prst="rect">
+            <a:avLst/>
+          </a:prstGeom>
+        </p:spPr>
+      </p:pic>
+    </p:spTree>
+  </p:cSld>
+  <p:clrMapOvr>
+    <a:masterClrMapping/>
+  </p:clrMapOvr>
+</p:sld>
+</file>
+
 <file path=ppt/slides/slide2.xml><?xml version="1.0" encoding="utf-8"?>
 <p:sld xmlns:a="http://schemas.openxmlformats.org/drawingml/2006/main" xmlns:r="http://schemas.openxmlformats.org/officeDocument/2006/relationships" xmlns:p="http://schemas.openxmlformats.org/presentationml/2006/main">
   <p:cSld>
@@ -6798,13 +6977,7 @@
       </p:grpSpPr>
       <p:sp>
         <p:nvSpPr>
-          <p:cNvPr id="2" name="Title 1">
-            <a:extLst>
-              <a:ext uri="{FF2B5EF4-FFF2-40B4-BE49-F238E27FC236}">
-                <a16:creationId xmlns:a16="http://schemas.microsoft.com/office/drawing/2014/main" id="{518E8D03-322C-3D42-9116-A31A84C56851}"/>
-              </a:ext>
-            </a:extLst>
-          </p:cNvPr>
+          <p:cNvPr id="2" name="Title 1"/>
           <p:cNvSpPr>
             <a:spLocks noGrp="1"/>
           </p:cNvSpPr>
@@ -6814,99 +6987,176 @@
         </p:nvSpPr>
         <p:spPr/>
         <p:txBody>
-          <a:bodyPr/>
+          <a:bodyPr>
+            <a:normAutofit fontScale="90000"/>
+          </a:bodyPr>
           <a:lstStyle/>
           <a:p>
             <a:r>
-              <a:rPr lang="en-US" dirty="0"/>
-              <a:t>Summary</a:t>
-            </a:r>
-          </a:p>
-        </p:txBody>
-      </p:sp>
-      <p:sp>
-        <p:nvSpPr>
-          <p:cNvPr id="3" name="Content Placeholder 2">
-            <a:extLst>
-              <a:ext uri="{FF2B5EF4-FFF2-40B4-BE49-F238E27FC236}">
-                <a16:creationId xmlns:a16="http://schemas.microsoft.com/office/drawing/2014/main" id="{71E8776A-1612-6742-9CED-2EB7567B84FC}"/>
-              </a:ext>
-            </a:extLst>
-          </p:cNvPr>
-          <p:cNvSpPr>
-            <a:spLocks noGrp="1"/>
-          </p:cNvSpPr>
-          <p:nvPr>
-            <p:ph idx="1"/>
-          </p:nvPr>
-        </p:nvSpPr>
-        <p:spPr/>
-        <p:txBody>
-          <a:bodyPr/>
-          <a:lstStyle/>
-          <a:p>
-            <a:r>
-              <a:rPr lang="en-US" b="1" dirty="0">
-                <a:solidFill>
-                  <a:srgbClr val="C00000"/>
-                </a:solidFill>
-              </a:rPr>
-              <a:t>Principal Component Analysis (PCA) </a:t>
-            </a:r>
-            <a:r>
-              <a:rPr lang="en-US" dirty="0"/>
-              <a:t>is a way of representing high-dimensional data in lower dimensions.</a:t>
-            </a:r>
-          </a:p>
-          <a:p>
-            <a:endParaRPr lang="en-US" dirty="0"/>
-          </a:p>
-          <a:p>
-            <a:r>
-              <a:rPr lang="en-US" b="1" dirty="0">
-                <a:solidFill>
-                  <a:srgbClr val="C00000"/>
-                </a:solidFill>
-              </a:rPr>
-              <a:t>Method:</a:t>
-            </a:r>
-            <a:r>
-              <a:rPr lang="en-US" dirty="0"/>
-              <a:t> Projection of the data points onto the eigenvectors of the covariance matrix.</a:t>
-            </a:r>
-          </a:p>
-          <a:p>
-            <a:endParaRPr lang="en-US" dirty="0"/>
-          </a:p>
-          <a:p>
-            <a:r>
-              <a:rPr lang="en-US" dirty="0"/>
-              <a:t>Useful for </a:t>
-            </a:r>
-            <a:r>
-              <a:rPr lang="en-US" b="1" dirty="0">
-                <a:solidFill>
-                  <a:srgbClr val="C00000"/>
-                </a:solidFill>
-              </a:rPr>
-              <a:t>dimensionality reduction</a:t>
+              <a:rPr dirty="0"/>
+              <a:t>T-SNE </a:t>
             </a:r>
             <a:br>
               <a:rPr lang="en-US" dirty="0"/>
             </a:br>
             <a:r>
+              <a:rPr dirty="0"/>
+              <a:t>(t-Distributed Stochastic Neighbor Embedding)</a:t>
+            </a:r>
+          </a:p>
+        </p:txBody>
+      </p:sp>
+      <p:sp>
+        <p:nvSpPr>
+          <p:cNvPr id="3" name="Content Placeholder 2"/>
+          <p:cNvSpPr>
+            <a:spLocks noGrp="1"/>
+          </p:cNvSpPr>
+          <p:nvPr>
+            <p:ph idx="1"/>
+          </p:nvPr>
+        </p:nvSpPr>
+        <p:spPr>
+          <a:xfrm>
+            <a:off x="291662" y="1909708"/>
+            <a:ext cx="8064062" cy="4351338"/>
+          </a:xfrm>
+        </p:spPr>
+        <p:txBody>
+          <a:bodyPr>
+            <a:normAutofit fontScale="62500" lnSpcReduction="20000"/>
+          </a:bodyPr>
+          <a:lstStyle/>
+          <a:p>
+            <a:r>
+              <a:rPr dirty="0"/>
+              <a:t>T-SNE is a non-linear dimensionality reduction technique primarily used for data visualization.</a:t>
+            </a:r>
+            <a:endParaRPr lang="en-US" dirty="0"/>
+          </a:p>
+          <a:p>
+            <a:pPr lvl="1">
+              <a:buFont typeface="+mj-lt"/>
+              <a:buAutoNum type="arabicPeriod"/>
+            </a:pPr>
+            <a:r>
               <a:rPr lang="en-US" dirty="0"/>
-              <a:t>(simplification, visualization, noise reduction)</a:t>
-            </a:r>
-          </a:p>
-        </p:txBody>
-      </p:sp>
+              <a:t>Fitting a normal (Gaussian) distribution to the distances between pairs of points in the original data</a:t>
+            </a:r>
+          </a:p>
+          <a:p>
+            <a:pPr lvl="1">
+              <a:buFont typeface="+mj-lt"/>
+              <a:buAutoNum type="arabicPeriod"/>
+            </a:pPr>
+            <a:r>
+              <a:rPr lang="en-US" dirty="0"/>
+              <a:t>Mapping the normal distribution in the original high-dimensional space to a T-distribution in the target dimensional space that minimizes the divergence between the distributions</a:t>
+            </a:r>
+          </a:p>
+          <a:p>
+            <a:pPr lvl="1">
+              <a:buFont typeface="+mj-lt"/>
+              <a:buAutoNum type="arabicPeriod"/>
+            </a:pPr>
+            <a:r>
+              <a:rPr lang="en-US" dirty="0"/>
+              <a:t>Selecting new locations for the points in the target dimensional space by drawing from this T-distribution.</a:t>
+            </a:r>
+            <a:br>
+              <a:rPr lang="en-US" dirty="0"/>
+            </a:br>
+            <a:br>
+              <a:rPr lang="en-US" dirty="0"/>
+            </a:br>
+            <a:endParaRPr dirty="0"/>
+          </a:p>
+          <a:p>
+            <a:r>
+              <a:rPr dirty="0"/>
+              <a:t>Key Features:</a:t>
+            </a:r>
+            <a:endParaRPr lang="en-US" dirty="0"/>
+          </a:p>
+          <a:p>
+            <a:pPr lvl="1"/>
+            <a:r>
+              <a:rPr dirty="0"/>
+              <a:t>Maps high-dimensional data to a 2D or 3D space.</a:t>
+            </a:r>
+            <a:endParaRPr lang="en-US" dirty="0"/>
+          </a:p>
+          <a:p>
+            <a:pPr lvl="1"/>
+            <a:r>
+              <a:rPr dirty="0"/>
+              <a:t>Captures relationships and clusters in data by preserving local structure.</a:t>
+            </a:r>
+            <a:endParaRPr lang="en-US" dirty="0"/>
+          </a:p>
+          <a:p>
+            <a:pPr lvl="1"/>
+            <a:r>
+              <a:rPr dirty="0"/>
+              <a:t>Widely used for exploring large datasets visually.</a:t>
+            </a:r>
+          </a:p>
+          <a:p>
+            <a:endParaRPr dirty="0"/>
+          </a:p>
+          <a:p>
+            <a:r>
+              <a:rPr dirty="0"/>
+              <a:t>Example Use Cases:</a:t>
+            </a:r>
+          </a:p>
+          <a:p>
+            <a:pPr lvl="1"/>
+            <a:r>
+              <a:rPr dirty="0"/>
+              <a:t>Image recognition: Visualizing feature embeddings.</a:t>
+            </a:r>
+          </a:p>
+          <a:p>
+            <a:pPr lvl="1"/>
+            <a:r>
+              <a:rPr dirty="0"/>
+              <a:t>Text data: Visualizing word embeddings.</a:t>
+            </a:r>
+          </a:p>
+        </p:txBody>
+      </p:sp>
+      <p:pic>
+        <p:nvPicPr>
+          <p:cNvPr id="4" name="Picture 3">
+            <a:extLst>
+              <a:ext uri="{FF2B5EF4-FFF2-40B4-BE49-F238E27FC236}">
+                <a16:creationId xmlns:a16="http://schemas.microsoft.com/office/drawing/2014/main" id="{5A154ED3-CBE4-C469-54CE-DD12F30B3CA7}"/>
+              </a:ext>
+            </a:extLst>
+          </p:cNvPr>
+          <p:cNvPicPr>
+            <a:picLocks noChangeAspect="1"/>
+          </p:cNvPicPr>
+          <p:nvPr/>
+        </p:nvPicPr>
+        <p:blipFill>
+          <a:blip r:embed="rId2"/>
+          <a:stretch>
+            <a:fillRect/>
+          </a:stretch>
+        </p:blipFill>
+        <p:spPr>
+          <a:xfrm>
+            <a:off x="7998619" y="1755721"/>
+            <a:ext cx="4193381" cy="4659312"/>
+          </a:xfrm>
+          <a:prstGeom prst="rect">
+            <a:avLst/>
+          </a:prstGeom>
+        </p:spPr>
+      </p:pic>
     </p:spTree>
-    <p:extLst>
-      <p:ext uri="{BB962C8B-B14F-4D97-AF65-F5344CB8AC3E}">
-        <p14:creationId xmlns:p14="http://schemas.microsoft.com/office/powerpoint/2010/main" val="1368157091"/>
-      </p:ext>
-    </p:extLst>
   </p:cSld>
   <p:clrMapOvr>
     <a:masterClrMapping/>
